--- a/Minesweeper pygame.pptx
+++ b/Minesweeper pygame.pptx
@@ -112,6 +112,11 @@
       </a:defRPr>
     </a:lvl9pPr>
   </p:defaultTextStyle>
+  <p:extLst>
+    <p:ext uri="{EFAFB233-063F-42B5-8137-9DF3F51BA10A}">
+      <p15:sldGuideLst xmlns:p15="http://schemas.microsoft.com/office/powerpoint/2012/main"/>
+    </p:ext>
+  </p:extLst>
 </p:presentation>
 </file>
 
@@ -137,7 +142,7 @@
           <p:cNvPr id="2" name="Заголовок 1">
             <a:extLst>
               <a:ext uri="{FF2B5EF4-FFF2-40B4-BE49-F238E27FC236}">
-                <a16:creationId xmlns:a16="http://schemas.microsoft.com/office/drawing/2014/main" id="{17F3C8F5-E59C-80DA-C1B2-D0FB08BF99CF}"/>
+                <a16:creationId xmlns="" xmlns:a16="http://schemas.microsoft.com/office/drawing/2014/main" id="{17F3C8F5-E59C-80DA-C1B2-D0FB08BF99CF}"/>
               </a:ext>
             </a:extLst>
           </p:cNvPr>
@@ -174,7 +179,7 @@
           <p:cNvPr id="3" name="Подзаголовок 2">
             <a:extLst>
               <a:ext uri="{FF2B5EF4-FFF2-40B4-BE49-F238E27FC236}">
-                <a16:creationId xmlns:a16="http://schemas.microsoft.com/office/drawing/2014/main" id="{993BAED7-7022-8B52-DB3F-FE5D7E33C677}"/>
+                <a16:creationId xmlns="" xmlns:a16="http://schemas.microsoft.com/office/drawing/2014/main" id="{993BAED7-7022-8B52-DB3F-FE5D7E33C677}"/>
               </a:ext>
             </a:extLst>
           </p:cNvPr>
@@ -244,7 +249,7 @@
           <p:cNvPr id="4" name="Дата 3">
             <a:extLst>
               <a:ext uri="{FF2B5EF4-FFF2-40B4-BE49-F238E27FC236}">
-                <a16:creationId xmlns:a16="http://schemas.microsoft.com/office/drawing/2014/main" id="{422EBA9C-A12F-FB6D-2B73-7BEE1CDDFDA2}"/>
+                <a16:creationId xmlns="" xmlns:a16="http://schemas.microsoft.com/office/drawing/2014/main" id="{422EBA9C-A12F-FB6D-2B73-7BEE1CDDFDA2}"/>
               </a:ext>
             </a:extLst>
           </p:cNvPr>
@@ -262,7 +267,7 @@
           <a:p>
             <a:fld id="{4438A91C-C41F-46F7-9DB4-300758BE6D15}" type="datetimeFigureOut">
               <a:rPr lang="ru-RU" smtClean="0"/>
-              <a:t>26.01.2025</a:t>
+              <a:t>28.01.2025</a:t>
             </a:fld>
             <a:endParaRPr lang="ru-RU"/>
           </a:p>
@@ -273,7 +278,7 @@
           <p:cNvPr id="5" name="Нижний колонтитул 4">
             <a:extLst>
               <a:ext uri="{FF2B5EF4-FFF2-40B4-BE49-F238E27FC236}">
-                <a16:creationId xmlns:a16="http://schemas.microsoft.com/office/drawing/2014/main" id="{ACAD2ABF-DEA7-8265-84CE-B05CC52CED5E}"/>
+                <a16:creationId xmlns="" xmlns:a16="http://schemas.microsoft.com/office/drawing/2014/main" id="{ACAD2ABF-DEA7-8265-84CE-B05CC52CED5E}"/>
               </a:ext>
             </a:extLst>
           </p:cNvPr>
@@ -298,7 +303,7 @@
           <p:cNvPr id="6" name="Номер слайда 5">
             <a:extLst>
               <a:ext uri="{FF2B5EF4-FFF2-40B4-BE49-F238E27FC236}">
-                <a16:creationId xmlns:a16="http://schemas.microsoft.com/office/drawing/2014/main" id="{E792DE2A-28A5-0864-A49E-19CE4FC4CA3A}"/>
+                <a16:creationId xmlns="" xmlns:a16="http://schemas.microsoft.com/office/drawing/2014/main" id="{E792DE2A-28A5-0864-A49E-19CE4FC4CA3A}"/>
               </a:ext>
             </a:extLst>
           </p:cNvPr>
@@ -357,7 +362,7 @@
           <p:cNvPr id="2" name="Заголовок 1">
             <a:extLst>
               <a:ext uri="{FF2B5EF4-FFF2-40B4-BE49-F238E27FC236}">
-                <a16:creationId xmlns:a16="http://schemas.microsoft.com/office/drawing/2014/main" id="{E274628B-AF94-3B95-31F9-AC133EEE11DC}"/>
+                <a16:creationId xmlns="" xmlns:a16="http://schemas.microsoft.com/office/drawing/2014/main" id="{E274628B-AF94-3B95-31F9-AC133EEE11DC}"/>
               </a:ext>
             </a:extLst>
           </p:cNvPr>
@@ -385,7 +390,7 @@
           <p:cNvPr id="3" name="Вертикальный текст 2">
             <a:extLst>
               <a:ext uri="{FF2B5EF4-FFF2-40B4-BE49-F238E27FC236}">
-                <a16:creationId xmlns:a16="http://schemas.microsoft.com/office/drawing/2014/main" id="{6A0B9D8E-24C3-1A89-07A9-73F7CDA7DAF3}"/>
+                <a16:creationId xmlns="" xmlns:a16="http://schemas.microsoft.com/office/drawing/2014/main" id="{6A0B9D8E-24C3-1A89-07A9-73F7CDA7DAF3}"/>
               </a:ext>
             </a:extLst>
           </p:cNvPr>
@@ -442,7 +447,7 @@
           <p:cNvPr id="4" name="Дата 3">
             <a:extLst>
               <a:ext uri="{FF2B5EF4-FFF2-40B4-BE49-F238E27FC236}">
-                <a16:creationId xmlns:a16="http://schemas.microsoft.com/office/drawing/2014/main" id="{871C050C-D42E-62A6-63C2-6FE308122C2A}"/>
+                <a16:creationId xmlns="" xmlns:a16="http://schemas.microsoft.com/office/drawing/2014/main" id="{871C050C-D42E-62A6-63C2-6FE308122C2A}"/>
               </a:ext>
             </a:extLst>
           </p:cNvPr>
@@ -460,7 +465,7 @@
           <a:p>
             <a:fld id="{4438A91C-C41F-46F7-9DB4-300758BE6D15}" type="datetimeFigureOut">
               <a:rPr lang="ru-RU" smtClean="0"/>
-              <a:t>26.01.2025</a:t>
+              <a:t>28.01.2025</a:t>
             </a:fld>
             <a:endParaRPr lang="ru-RU"/>
           </a:p>
@@ -471,7 +476,7 @@
           <p:cNvPr id="5" name="Нижний колонтитул 4">
             <a:extLst>
               <a:ext uri="{FF2B5EF4-FFF2-40B4-BE49-F238E27FC236}">
-                <a16:creationId xmlns:a16="http://schemas.microsoft.com/office/drawing/2014/main" id="{1BE0576F-2F67-F51B-6F4D-E147E24E25EA}"/>
+                <a16:creationId xmlns="" xmlns:a16="http://schemas.microsoft.com/office/drawing/2014/main" id="{1BE0576F-2F67-F51B-6F4D-E147E24E25EA}"/>
               </a:ext>
             </a:extLst>
           </p:cNvPr>
@@ -496,7 +501,7 @@
           <p:cNvPr id="6" name="Номер слайда 5">
             <a:extLst>
               <a:ext uri="{FF2B5EF4-FFF2-40B4-BE49-F238E27FC236}">
-                <a16:creationId xmlns:a16="http://schemas.microsoft.com/office/drawing/2014/main" id="{7E2A0026-7CED-D241-FC99-DA74B8201C7A}"/>
+                <a16:creationId xmlns="" xmlns:a16="http://schemas.microsoft.com/office/drawing/2014/main" id="{7E2A0026-7CED-D241-FC99-DA74B8201C7A}"/>
               </a:ext>
             </a:extLst>
           </p:cNvPr>
@@ -555,7 +560,7 @@
           <p:cNvPr id="2" name="Вертикальный заголовок 1">
             <a:extLst>
               <a:ext uri="{FF2B5EF4-FFF2-40B4-BE49-F238E27FC236}">
-                <a16:creationId xmlns:a16="http://schemas.microsoft.com/office/drawing/2014/main" id="{F2EE3A77-9806-4E94-0A08-B1A0817EA510}"/>
+                <a16:creationId xmlns="" xmlns:a16="http://schemas.microsoft.com/office/drawing/2014/main" id="{F2EE3A77-9806-4E94-0A08-B1A0817EA510}"/>
               </a:ext>
             </a:extLst>
           </p:cNvPr>
@@ -588,7 +593,7 @@
           <p:cNvPr id="3" name="Вертикальный текст 2">
             <a:extLst>
               <a:ext uri="{FF2B5EF4-FFF2-40B4-BE49-F238E27FC236}">
-                <a16:creationId xmlns:a16="http://schemas.microsoft.com/office/drawing/2014/main" id="{4B378BFA-3479-00FD-6768-7B3D6AFCC19C}"/>
+                <a16:creationId xmlns="" xmlns:a16="http://schemas.microsoft.com/office/drawing/2014/main" id="{4B378BFA-3479-00FD-6768-7B3D6AFCC19C}"/>
               </a:ext>
             </a:extLst>
           </p:cNvPr>
@@ -650,7 +655,7 @@
           <p:cNvPr id="4" name="Дата 3">
             <a:extLst>
               <a:ext uri="{FF2B5EF4-FFF2-40B4-BE49-F238E27FC236}">
-                <a16:creationId xmlns:a16="http://schemas.microsoft.com/office/drawing/2014/main" id="{4C262D90-7F1B-5F42-81AB-A7C2485A78AE}"/>
+                <a16:creationId xmlns="" xmlns:a16="http://schemas.microsoft.com/office/drawing/2014/main" id="{4C262D90-7F1B-5F42-81AB-A7C2485A78AE}"/>
               </a:ext>
             </a:extLst>
           </p:cNvPr>
@@ -668,7 +673,7 @@
           <a:p>
             <a:fld id="{4438A91C-C41F-46F7-9DB4-300758BE6D15}" type="datetimeFigureOut">
               <a:rPr lang="ru-RU" smtClean="0"/>
-              <a:t>26.01.2025</a:t>
+              <a:t>28.01.2025</a:t>
             </a:fld>
             <a:endParaRPr lang="ru-RU"/>
           </a:p>
@@ -679,7 +684,7 @@
           <p:cNvPr id="5" name="Нижний колонтитул 4">
             <a:extLst>
               <a:ext uri="{FF2B5EF4-FFF2-40B4-BE49-F238E27FC236}">
-                <a16:creationId xmlns:a16="http://schemas.microsoft.com/office/drawing/2014/main" id="{DEEEF56F-DB57-98D3-255C-155F9FD3FBD9}"/>
+                <a16:creationId xmlns="" xmlns:a16="http://schemas.microsoft.com/office/drawing/2014/main" id="{DEEEF56F-DB57-98D3-255C-155F9FD3FBD9}"/>
               </a:ext>
             </a:extLst>
           </p:cNvPr>
@@ -704,7 +709,7 @@
           <p:cNvPr id="6" name="Номер слайда 5">
             <a:extLst>
               <a:ext uri="{FF2B5EF4-FFF2-40B4-BE49-F238E27FC236}">
-                <a16:creationId xmlns:a16="http://schemas.microsoft.com/office/drawing/2014/main" id="{A59BC13D-0635-63DF-65EE-34A2791A9752}"/>
+                <a16:creationId xmlns="" xmlns:a16="http://schemas.microsoft.com/office/drawing/2014/main" id="{A59BC13D-0635-63DF-65EE-34A2791A9752}"/>
               </a:ext>
             </a:extLst>
           </p:cNvPr>
@@ -763,7 +768,7 @@
           <p:cNvPr id="2" name="Заголовок 1">
             <a:extLst>
               <a:ext uri="{FF2B5EF4-FFF2-40B4-BE49-F238E27FC236}">
-                <a16:creationId xmlns:a16="http://schemas.microsoft.com/office/drawing/2014/main" id="{F3D3DE11-AF3A-55B7-602B-ED859421543B}"/>
+                <a16:creationId xmlns="" xmlns:a16="http://schemas.microsoft.com/office/drawing/2014/main" id="{F3D3DE11-AF3A-55B7-602B-ED859421543B}"/>
               </a:ext>
             </a:extLst>
           </p:cNvPr>
@@ -791,7 +796,7 @@
           <p:cNvPr id="3" name="Объект 2">
             <a:extLst>
               <a:ext uri="{FF2B5EF4-FFF2-40B4-BE49-F238E27FC236}">
-                <a16:creationId xmlns:a16="http://schemas.microsoft.com/office/drawing/2014/main" id="{2A492C08-13B9-9C13-2D2A-75911920781C}"/>
+                <a16:creationId xmlns="" xmlns:a16="http://schemas.microsoft.com/office/drawing/2014/main" id="{2A492C08-13B9-9C13-2D2A-75911920781C}"/>
               </a:ext>
             </a:extLst>
           </p:cNvPr>
@@ -848,7 +853,7 @@
           <p:cNvPr id="4" name="Дата 3">
             <a:extLst>
               <a:ext uri="{FF2B5EF4-FFF2-40B4-BE49-F238E27FC236}">
-                <a16:creationId xmlns:a16="http://schemas.microsoft.com/office/drawing/2014/main" id="{7DE92439-7DDA-31D0-29CC-739BCD467CF6}"/>
+                <a16:creationId xmlns="" xmlns:a16="http://schemas.microsoft.com/office/drawing/2014/main" id="{7DE92439-7DDA-31D0-29CC-739BCD467CF6}"/>
               </a:ext>
             </a:extLst>
           </p:cNvPr>
@@ -866,7 +871,7 @@
           <a:p>
             <a:fld id="{4438A91C-C41F-46F7-9DB4-300758BE6D15}" type="datetimeFigureOut">
               <a:rPr lang="ru-RU" smtClean="0"/>
-              <a:t>26.01.2025</a:t>
+              <a:t>28.01.2025</a:t>
             </a:fld>
             <a:endParaRPr lang="ru-RU"/>
           </a:p>
@@ -877,7 +882,7 @@
           <p:cNvPr id="5" name="Нижний колонтитул 4">
             <a:extLst>
               <a:ext uri="{FF2B5EF4-FFF2-40B4-BE49-F238E27FC236}">
-                <a16:creationId xmlns:a16="http://schemas.microsoft.com/office/drawing/2014/main" id="{1A74A5C0-184C-9905-7BB2-4E8B3E141A34}"/>
+                <a16:creationId xmlns="" xmlns:a16="http://schemas.microsoft.com/office/drawing/2014/main" id="{1A74A5C0-184C-9905-7BB2-4E8B3E141A34}"/>
               </a:ext>
             </a:extLst>
           </p:cNvPr>
@@ -902,7 +907,7 @@
           <p:cNvPr id="6" name="Номер слайда 5">
             <a:extLst>
               <a:ext uri="{FF2B5EF4-FFF2-40B4-BE49-F238E27FC236}">
-                <a16:creationId xmlns:a16="http://schemas.microsoft.com/office/drawing/2014/main" id="{7CEA98F2-4EE8-1375-A282-81861AE783BD}"/>
+                <a16:creationId xmlns="" xmlns:a16="http://schemas.microsoft.com/office/drawing/2014/main" id="{7CEA98F2-4EE8-1375-A282-81861AE783BD}"/>
               </a:ext>
             </a:extLst>
           </p:cNvPr>
@@ -961,7 +966,7 @@
           <p:cNvPr id="2" name="Заголовок 1">
             <a:extLst>
               <a:ext uri="{FF2B5EF4-FFF2-40B4-BE49-F238E27FC236}">
-                <a16:creationId xmlns:a16="http://schemas.microsoft.com/office/drawing/2014/main" id="{0D1E6D03-4682-7392-AE62-A13F0D91065A}"/>
+                <a16:creationId xmlns="" xmlns:a16="http://schemas.microsoft.com/office/drawing/2014/main" id="{0D1E6D03-4682-7392-AE62-A13F0D91065A}"/>
               </a:ext>
             </a:extLst>
           </p:cNvPr>
@@ -998,7 +1003,7 @@
           <p:cNvPr id="3" name="Текст 2">
             <a:extLst>
               <a:ext uri="{FF2B5EF4-FFF2-40B4-BE49-F238E27FC236}">
-                <a16:creationId xmlns:a16="http://schemas.microsoft.com/office/drawing/2014/main" id="{3C07C587-869D-0BC1-D384-BA38AC7B90F0}"/>
+                <a16:creationId xmlns="" xmlns:a16="http://schemas.microsoft.com/office/drawing/2014/main" id="{3C07C587-869D-0BC1-D384-BA38AC7B90F0}"/>
               </a:ext>
             </a:extLst>
           </p:cNvPr>
@@ -1123,7 +1128,7 @@
           <p:cNvPr id="4" name="Дата 3">
             <a:extLst>
               <a:ext uri="{FF2B5EF4-FFF2-40B4-BE49-F238E27FC236}">
-                <a16:creationId xmlns:a16="http://schemas.microsoft.com/office/drawing/2014/main" id="{B7AEF88C-7BF3-00B8-65F5-9E5BBE94D41E}"/>
+                <a16:creationId xmlns="" xmlns:a16="http://schemas.microsoft.com/office/drawing/2014/main" id="{B7AEF88C-7BF3-00B8-65F5-9E5BBE94D41E}"/>
               </a:ext>
             </a:extLst>
           </p:cNvPr>
@@ -1141,7 +1146,7 @@
           <a:p>
             <a:fld id="{4438A91C-C41F-46F7-9DB4-300758BE6D15}" type="datetimeFigureOut">
               <a:rPr lang="ru-RU" smtClean="0"/>
-              <a:t>26.01.2025</a:t>
+              <a:t>28.01.2025</a:t>
             </a:fld>
             <a:endParaRPr lang="ru-RU"/>
           </a:p>
@@ -1152,7 +1157,7 @@
           <p:cNvPr id="5" name="Нижний колонтитул 4">
             <a:extLst>
               <a:ext uri="{FF2B5EF4-FFF2-40B4-BE49-F238E27FC236}">
-                <a16:creationId xmlns:a16="http://schemas.microsoft.com/office/drawing/2014/main" id="{23012D47-E414-56E3-6938-6BE64F0393A5}"/>
+                <a16:creationId xmlns="" xmlns:a16="http://schemas.microsoft.com/office/drawing/2014/main" id="{23012D47-E414-56E3-6938-6BE64F0393A5}"/>
               </a:ext>
             </a:extLst>
           </p:cNvPr>
@@ -1177,7 +1182,7 @@
           <p:cNvPr id="6" name="Номер слайда 5">
             <a:extLst>
               <a:ext uri="{FF2B5EF4-FFF2-40B4-BE49-F238E27FC236}">
-                <a16:creationId xmlns:a16="http://schemas.microsoft.com/office/drawing/2014/main" id="{96587153-195C-CB41-7646-42F3654F5D00}"/>
+                <a16:creationId xmlns="" xmlns:a16="http://schemas.microsoft.com/office/drawing/2014/main" id="{96587153-195C-CB41-7646-42F3654F5D00}"/>
               </a:ext>
             </a:extLst>
           </p:cNvPr>
@@ -1236,7 +1241,7 @@
           <p:cNvPr id="2" name="Заголовок 1">
             <a:extLst>
               <a:ext uri="{FF2B5EF4-FFF2-40B4-BE49-F238E27FC236}">
-                <a16:creationId xmlns:a16="http://schemas.microsoft.com/office/drawing/2014/main" id="{D2B77371-D915-591A-03AE-979ACA50BE43}"/>
+                <a16:creationId xmlns="" xmlns:a16="http://schemas.microsoft.com/office/drawing/2014/main" id="{D2B77371-D915-591A-03AE-979ACA50BE43}"/>
               </a:ext>
             </a:extLst>
           </p:cNvPr>
@@ -1264,7 +1269,7 @@
           <p:cNvPr id="3" name="Объект 2">
             <a:extLst>
               <a:ext uri="{FF2B5EF4-FFF2-40B4-BE49-F238E27FC236}">
-                <a16:creationId xmlns:a16="http://schemas.microsoft.com/office/drawing/2014/main" id="{644B3413-1C04-9020-5A6F-73F433651A60}"/>
+                <a16:creationId xmlns="" xmlns:a16="http://schemas.microsoft.com/office/drawing/2014/main" id="{644B3413-1C04-9020-5A6F-73F433651A60}"/>
               </a:ext>
             </a:extLst>
           </p:cNvPr>
@@ -1326,7 +1331,7 @@
           <p:cNvPr id="4" name="Объект 3">
             <a:extLst>
               <a:ext uri="{FF2B5EF4-FFF2-40B4-BE49-F238E27FC236}">
-                <a16:creationId xmlns:a16="http://schemas.microsoft.com/office/drawing/2014/main" id="{41341BC1-F2F0-A1D5-E577-23CB7090D49D}"/>
+                <a16:creationId xmlns="" xmlns:a16="http://schemas.microsoft.com/office/drawing/2014/main" id="{41341BC1-F2F0-A1D5-E577-23CB7090D49D}"/>
               </a:ext>
             </a:extLst>
           </p:cNvPr>
@@ -1388,7 +1393,7 @@
           <p:cNvPr id="5" name="Дата 4">
             <a:extLst>
               <a:ext uri="{FF2B5EF4-FFF2-40B4-BE49-F238E27FC236}">
-                <a16:creationId xmlns:a16="http://schemas.microsoft.com/office/drawing/2014/main" id="{98043348-E340-DC78-2A1E-BB3D9685618C}"/>
+                <a16:creationId xmlns="" xmlns:a16="http://schemas.microsoft.com/office/drawing/2014/main" id="{98043348-E340-DC78-2A1E-BB3D9685618C}"/>
               </a:ext>
             </a:extLst>
           </p:cNvPr>
@@ -1406,7 +1411,7 @@
           <a:p>
             <a:fld id="{4438A91C-C41F-46F7-9DB4-300758BE6D15}" type="datetimeFigureOut">
               <a:rPr lang="ru-RU" smtClean="0"/>
-              <a:t>26.01.2025</a:t>
+              <a:t>28.01.2025</a:t>
             </a:fld>
             <a:endParaRPr lang="ru-RU"/>
           </a:p>
@@ -1417,7 +1422,7 @@
           <p:cNvPr id="6" name="Нижний колонтитул 5">
             <a:extLst>
               <a:ext uri="{FF2B5EF4-FFF2-40B4-BE49-F238E27FC236}">
-                <a16:creationId xmlns:a16="http://schemas.microsoft.com/office/drawing/2014/main" id="{3C29948E-A5A3-3F0A-DEFD-3767E204D893}"/>
+                <a16:creationId xmlns="" xmlns:a16="http://schemas.microsoft.com/office/drawing/2014/main" id="{3C29948E-A5A3-3F0A-DEFD-3767E204D893}"/>
               </a:ext>
             </a:extLst>
           </p:cNvPr>
@@ -1442,7 +1447,7 @@
           <p:cNvPr id="7" name="Номер слайда 6">
             <a:extLst>
               <a:ext uri="{FF2B5EF4-FFF2-40B4-BE49-F238E27FC236}">
-                <a16:creationId xmlns:a16="http://schemas.microsoft.com/office/drawing/2014/main" id="{413D3446-BAF1-03A2-4302-19606A20DCEB}"/>
+                <a16:creationId xmlns="" xmlns:a16="http://schemas.microsoft.com/office/drawing/2014/main" id="{413D3446-BAF1-03A2-4302-19606A20DCEB}"/>
               </a:ext>
             </a:extLst>
           </p:cNvPr>
@@ -1501,7 +1506,7 @@
           <p:cNvPr id="2" name="Заголовок 1">
             <a:extLst>
               <a:ext uri="{FF2B5EF4-FFF2-40B4-BE49-F238E27FC236}">
-                <a16:creationId xmlns:a16="http://schemas.microsoft.com/office/drawing/2014/main" id="{A43554C2-1EDD-1831-BC7D-74217B79C8FC}"/>
+                <a16:creationId xmlns="" xmlns:a16="http://schemas.microsoft.com/office/drawing/2014/main" id="{A43554C2-1EDD-1831-BC7D-74217B79C8FC}"/>
               </a:ext>
             </a:extLst>
           </p:cNvPr>
@@ -1534,7 +1539,7 @@
           <p:cNvPr id="3" name="Текст 2">
             <a:extLst>
               <a:ext uri="{FF2B5EF4-FFF2-40B4-BE49-F238E27FC236}">
-                <a16:creationId xmlns:a16="http://schemas.microsoft.com/office/drawing/2014/main" id="{76356A05-9ABE-318B-CF92-DD98181D5543}"/>
+                <a16:creationId xmlns="" xmlns:a16="http://schemas.microsoft.com/office/drawing/2014/main" id="{76356A05-9ABE-318B-CF92-DD98181D5543}"/>
               </a:ext>
             </a:extLst>
           </p:cNvPr>
@@ -1605,7 +1610,7 @@
           <p:cNvPr id="4" name="Объект 3">
             <a:extLst>
               <a:ext uri="{FF2B5EF4-FFF2-40B4-BE49-F238E27FC236}">
-                <a16:creationId xmlns:a16="http://schemas.microsoft.com/office/drawing/2014/main" id="{78120E46-EF7A-D7C3-E701-505F46E26844}"/>
+                <a16:creationId xmlns="" xmlns:a16="http://schemas.microsoft.com/office/drawing/2014/main" id="{78120E46-EF7A-D7C3-E701-505F46E26844}"/>
               </a:ext>
             </a:extLst>
           </p:cNvPr>
@@ -1667,7 +1672,7 @@
           <p:cNvPr id="5" name="Текст 4">
             <a:extLst>
               <a:ext uri="{FF2B5EF4-FFF2-40B4-BE49-F238E27FC236}">
-                <a16:creationId xmlns:a16="http://schemas.microsoft.com/office/drawing/2014/main" id="{D48F038C-5CE3-6FA2-85F4-ABB45F09C660}"/>
+                <a16:creationId xmlns="" xmlns:a16="http://schemas.microsoft.com/office/drawing/2014/main" id="{D48F038C-5CE3-6FA2-85F4-ABB45F09C660}"/>
               </a:ext>
             </a:extLst>
           </p:cNvPr>
@@ -1738,7 +1743,7 @@
           <p:cNvPr id="6" name="Объект 5">
             <a:extLst>
               <a:ext uri="{FF2B5EF4-FFF2-40B4-BE49-F238E27FC236}">
-                <a16:creationId xmlns:a16="http://schemas.microsoft.com/office/drawing/2014/main" id="{06341DDF-BB33-7EEB-E88E-5046D8CE5D15}"/>
+                <a16:creationId xmlns="" xmlns:a16="http://schemas.microsoft.com/office/drawing/2014/main" id="{06341DDF-BB33-7EEB-E88E-5046D8CE5D15}"/>
               </a:ext>
             </a:extLst>
           </p:cNvPr>
@@ -1800,7 +1805,7 @@
           <p:cNvPr id="7" name="Дата 6">
             <a:extLst>
               <a:ext uri="{FF2B5EF4-FFF2-40B4-BE49-F238E27FC236}">
-                <a16:creationId xmlns:a16="http://schemas.microsoft.com/office/drawing/2014/main" id="{570170E7-2A80-0938-42EB-80A9EA87C220}"/>
+                <a16:creationId xmlns="" xmlns:a16="http://schemas.microsoft.com/office/drawing/2014/main" id="{570170E7-2A80-0938-42EB-80A9EA87C220}"/>
               </a:ext>
             </a:extLst>
           </p:cNvPr>
@@ -1818,7 +1823,7 @@
           <a:p>
             <a:fld id="{4438A91C-C41F-46F7-9DB4-300758BE6D15}" type="datetimeFigureOut">
               <a:rPr lang="ru-RU" smtClean="0"/>
-              <a:t>26.01.2025</a:t>
+              <a:t>28.01.2025</a:t>
             </a:fld>
             <a:endParaRPr lang="ru-RU"/>
           </a:p>
@@ -1829,7 +1834,7 @@
           <p:cNvPr id="8" name="Нижний колонтитул 7">
             <a:extLst>
               <a:ext uri="{FF2B5EF4-FFF2-40B4-BE49-F238E27FC236}">
-                <a16:creationId xmlns:a16="http://schemas.microsoft.com/office/drawing/2014/main" id="{D18E957F-76F9-50C0-6C66-A2C4F9B1E25B}"/>
+                <a16:creationId xmlns="" xmlns:a16="http://schemas.microsoft.com/office/drawing/2014/main" id="{D18E957F-76F9-50C0-6C66-A2C4F9B1E25B}"/>
               </a:ext>
             </a:extLst>
           </p:cNvPr>
@@ -1854,7 +1859,7 @@
           <p:cNvPr id="9" name="Номер слайда 8">
             <a:extLst>
               <a:ext uri="{FF2B5EF4-FFF2-40B4-BE49-F238E27FC236}">
-                <a16:creationId xmlns:a16="http://schemas.microsoft.com/office/drawing/2014/main" id="{685E15EE-0BB6-FD48-ED9E-02CBF5E36EBB}"/>
+                <a16:creationId xmlns="" xmlns:a16="http://schemas.microsoft.com/office/drawing/2014/main" id="{685E15EE-0BB6-FD48-ED9E-02CBF5E36EBB}"/>
               </a:ext>
             </a:extLst>
           </p:cNvPr>
@@ -1913,7 +1918,7 @@
           <p:cNvPr id="2" name="Заголовок 1">
             <a:extLst>
               <a:ext uri="{FF2B5EF4-FFF2-40B4-BE49-F238E27FC236}">
-                <a16:creationId xmlns:a16="http://schemas.microsoft.com/office/drawing/2014/main" id="{BEAC77A4-A2BC-FC15-0AC7-8F24E2626438}"/>
+                <a16:creationId xmlns="" xmlns:a16="http://schemas.microsoft.com/office/drawing/2014/main" id="{BEAC77A4-A2BC-FC15-0AC7-8F24E2626438}"/>
               </a:ext>
             </a:extLst>
           </p:cNvPr>
@@ -1941,7 +1946,7 @@
           <p:cNvPr id="3" name="Дата 2">
             <a:extLst>
               <a:ext uri="{FF2B5EF4-FFF2-40B4-BE49-F238E27FC236}">
-                <a16:creationId xmlns:a16="http://schemas.microsoft.com/office/drawing/2014/main" id="{5910FD8D-C97D-0C13-F899-DB7A2B7882CE}"/>
+                <a16:creationId xmlns="" xmlns:a16="http://schemas.microsoft.com/office/drawing/2014/main" id="{5910FD8D-C97D-0C13-F899-DB7A2B7882CE}"/>
               </a:ext>
             </a:extLst>
           </p:cNvPr>
@@ -1959,7 +1964,7 @@
           <a:p>
             <a:fld id="{4438A91C-C41F-46F7-9DB4-300758BE6D15}" type="datetimeFigureOut">
               <a:rPr lang="ru-RU" smtClean="0"/>
-              <a:t>26.01.2025</a:t>
+              <a:t>28.01.2025</a:t>
             </a:fld>
             <a:endParaRPr lang="ru-RU"/>
           </a:p>
@@ -1970,7 +1975,7 @@
           <p:cNvPr id="4" name="Нижний колонтитул 3">
             <a:extLst>
               <a:ext uri="{FF2B5EF4-FFF2-40B4-BE49-F238E27FC236}">
-                <a16:creationId xmlns:a16="http://schemas.microsoft.com/office/drawing/2014/main" id="{4167EE2B-5220-14B7-D5F0-9E51D532BD22}"/>
+                <a16:creationId xmlns="" xmlns:a16="http://schemas.microsoft.com/office/drawing/2014/main" id="{4167EE2B-5220-14B7-D5F0-9E51D532BD22}"/>
               </a:ext>
             </a:extLst>
           </p:cNvPr>
@@ -1995,7 +2000,7 @@
           <p:cNvPr id="5" name="Номер слайда 4">
             <a:extLst>
               <a:ext uri="{FF2B5EF4-FFF2-40B4-BE49-F238E27FC236}">
-                <a16:creationId xmlns:a16="http://schemas.microsoft.com/office/drawing/2014/main" id="{AC88CFF3-DD15-0F6B-5F34-CB352A620A77}"/>
+                <a16:creationId xmlns="" xmlns:a16="http://schemas.microsoft.com/office/drawing/2014/main" id="{AC88CFF3-DD15-0F6B-5F34-CB352A620A77}"/>
               </a:ext>
             </a:extLst>
           </p:cNvPr>
@@ -2054,7 +2059,7 @@
           <p:cNvPr id="2" name="Дата 1">
             <a:extLst>
               <a:ext uri="{FF2B5EF4-FFF2-40B4-BE49-F238E27FC236}">
-                <a16:creationId xmlns:a16="http://schemas.microsoft.com/office/drawing/2014/main" id="{598A7E69-07EA-964E-A36E-B7F4F0830E1E}"/>
+                <a16:creationId xmlns="" xmlns:a16="http://schemas.microsoft.com/office/drawing/2014/main" id="{598A7E69-07EA-964E-A36E-B7F4F0830E1E}"/>
               </a:ext>
             </a:extLst>
           </p:cNvPr>
@@ -2072,7 +2077,7 @@
           <a:p>
             <a:fld id="{4438A91C-C41F-46F7-9DB4-300758BE6D15}" type="datetimeFigureOut">
               <a:rPr lang="ru-RU" smtClean="0"/>
-              <a:t>26.01.2025</a:t>
+              <a:t>28.01.2025</a:t>
             </a:fld>
             <a:endParaRPr lang="ru-RU"/>
           </a:p>
@@ -2083,7 +2088,7 @@
           <p:cNvPr id="3" name="Нижний колонтитул 2">
             <a:extLst>
               <a:ext uri="{FF2B5EF4-FFF2-40B4-BE49-F238E27FC236}">
-                <a16:creationId xmlns:a16="http://schemas.microsoft.com/office/drawing/2014/main" id="{01522D12-33F7-0696-8EFA-ED1BF3FDE900}"/>
+                <a16:creationId xmlns="" xmlns:a16="http://schemas.microsoft.com/office/drawing/2014/main" id="{01522D12-33F7-0696-8EFA-ED1BF3FDE900}"/>
               </a:ext>
             </a:extLst>
           </p:cNvPr>
@@ -2108,7 +2113,7 @@
           <p:cNvPr id="4" name="Номер слайда 3">
             <a:extLst>
               <a:ext uri="{FF2B5EF4-FFF2-40B4-BE49-F238E27FC236}">
-                <a16:creationId xmlns:a16="http://schemas.microsoft.com/office/drawing/2014/main" id="{EC2C017C-F9FB-3BE4-6D31-D6F1A5E085A5}"/>
+                <a16:creationId xmlns="" xmlns:a16="http://schemas.microsoft.com/office/drawing/2014/main" id="{EC2C017C-F9FB-3BE4-6D31-D6F1A5E085A5}"/>
               </a:ext>
             </a:extLst>
           </p:cNvPr>
@@ -2167,7 +2172,7 @@
           <p:cNvPr id="2" name="Заголовок 1">
             <a:extLst>
               <a:ext uri="{FF2B5EF4-FFF2-40B4-BE49-F238E27FC236}">
-                <a16:creationId xmlns:a16="http://schemas.microsoft.com/office/drawing/2014/main" id="{03806F30-DD2D-BC06-5C24-4AA99D8B3319}"/>
+                <a16:creationId xmlns="" xmlns:a16="http://schemas.microsoft.com/office/drawing/2014/main" id="{03806F30-DD2D-BC06-5C24-4AA99D8B3319}"/>
               </a:ext>
             </a:extLst>
           </p:cNvPr>
@@ -2204,7 +2209,7 @@
           <p:cNvPr id="3" name="Объект 2">
             <a:extLst>
               <a:ext uri="{FF2B5EF4-FFF2-40B4-BE49-F238E27FC236}">
-                <a16:creationId xmlns:a16="http://schemas.microsoft.com/office/drawing/2014/main" id="{56DAC534-1CE2-0346-4A91-7D68C255C35A}"/>
+                <a16:creationId xmlns="" xmlns:a16="http://schemas.microsoft.com/office/drawing/2014/main" id="{56DAC534-1CE2-0346-4A91-7D68C255C35A}"/>
               </a:ext>
             </a:extLst>
           </p:cNvPr>
@@ -2294,7 +2299,7 @@
           <p:cNvPr id="4" name="Текст 3">
             <a:extLst>
               <a:ext uri="{FF2B5EF4-FFF2-40B4-BE49-F238E27FC236}">
-                <a16:creationId xmlns:a16="http://schemas.microsoft.com/office/drawing/2014/main" id="{4925D7EC-919C-9560-6916-DB677347304A}"/>
+                <a16:creationId xmlns="" xmlns:a16="http://schemas.microsoft.com/office/drawing/2014/main" id="{4925D7EC-919C-9560-6916-DB677347304A}"/>
               </a:ext>
             </a:extLst>
           </p:cNvPr>
@@ -2365,7 +2370,7 @@
           <p:cNvPr id="5" name="Дата 4">
             <a:extLst>
               <a:ext uri="{FF2B5EF4-FFF2-40B4-BE49-F238E27FC236}">
-                <a16:creationId xmlns:a16="http://schemas.microsoft.com/office/drawing/2014/main" id="{8AF75A09-3027-1C27-2B22-68740DFF661D}"/>
+                <a16:creationId xmlns="" xmlns:a16="http://schemas.microsoft.com/office/drawing/2014/main" id="{8AF75A09-3027-1C27-2B22-68740DFF661D}"/>
               </a:ext>
             </a:extLst>
           </p:cNvPr>
@@ -2383,7 +2388,7 @@
           <a:p>
             <a:fld id="{4438A91C-C41F-46F7-9DB4-300758BE6D15}" type="datetimeFigureOut">
               <a:rPr lang="ru-RU" smtClean="0"/>
-              <a:t>26.01.2025</a:t>
+              <a:t>28.01.2025</a:t>
             </a:fld>
             <a:endParaRPr lang="ru-RU"/>
           </a:p>
@@ -2394,7 +2399,7 @@
           <p:cNvPr id="6" name="Нижний колонтитул 5">
             <a:extLst>
               <a:ext uri="{FF2B5EF4-FFF2-40B4-BE49-F238E27FC236}">
-                <a16:creationId xmlns:a16="http://schemas.microsoft.com/office/drawing/2014/main" id="{D2E65376-3807-3B33-F761-3973BDBCDD0B}"/>
+                <a16:creationId xmlns="" xmlns:a16="http://schemas.microsoft.com/office/drawing/2014/main" id="{D2E65376-3807-3B33-F761-3973BDBCDD0B}"/>
               </a:ext>
             </a:extLst>
           </p:cNvPr>
@@ -2419,7 +2424,7 @@
           <p:cNvPr id="7" name="Номер слайда 6">
             <a:extLst>
               <a:ext uri="{FF2B5EF4-FFF2-40B4-BE49-F238E27FC236}">
-                <a16:creationId xmlns:a16="http://schemas.microsoft.com/office/drawing/2014/main" id="{F5CB360B-C47C-07B1-FCB5-12367F99189B}"/>
+                <a16:creationId xmlns="" xmlns:a16="http://schemas.microsoft.com/office/drawing/2014/main" id="{F5CB360B-C47C-07B1-FCB5-12367F99189B}"/>
               </a:ext>
             </a:extLst>
           </p:cNvPr>
@@ -2478,7 +2483,7 @@
           <p:cNvPr id="2" name="Заголовок 1">
             <a:extLst>
               <a:ext uri="{FF2B5EF4-FFF2-40B4-BE49-F238E27FC236}">
-                <a16:creationId xmlns:a16="http://schemas.microsoft.com/office/drawing/2014/main" id="{9F0994D4-9E29-2450-FE56-940B34D03BAE}"/>
+                <a16:creationId xmlns="" xmlns:a16="http://schemas.microsoft.com/office/drawing/2014/main" id="{9F0994D4-9E29-2450-FE56-940B34D03BAE}"/>
               </a:ext>
             </a:extLst>
           </p:cNvPr>
@@ -2515,7 +2520,7 @@
           <p:cNvPr id="3" name="Рисунок 2">
             <a:extLst>
               <a:ext uri="{FF2B5EF4-FFF2-40B4-BE49-F238E27FC236}">
-                <a16:creationId xmlns:a16="http://schemas.microsoft.com/office/drawing/2014/main" id="{1D264F7D-2D4E-8478-EADD-A204558165FF}"/>
+                <a16:creationId xmlns="" xmlns:a16="http://schemas.microsoft.com/office/drawing/2014/main" id="{1D264F7D-2D4E-8478-EADD-A204558165FF}"/>
               </a:ext>
             </a:extLst>
           </p:cNvPr>
@@ -2582,7 +2587,7 @@
           <p:cNvPr id="4" name="Текст 3">
             <a:extLst>
               <a:ext uri="{FF2B5EF4-FFF2-40B4-BE49-F238E27FC236}">
-                <a16:creationId xmlns:a16="http://schemas.microsoft.com/office/drawing/2014/main" id="{0C1E33B6-66C0-1CB0-3819-F0206FF99F62}"/>
+                <a16:creationId xmlns="" xmlns:a16="http://schemas.microsoft.com/office/drawing/2014/main" id="{0C1E33B6-66C0-1CB0-3819-F0206FF99F62}"/>
               </a:ext>
             </a:extLst>
           </p:cNvPr>
@@ -2653,7 +2658,7 @@
           <p:cNvPr id="5" name="Дата 4">
             <a:extLst>
               <a:ext uri="{FF2B5EF4-FFF2-40B4-BE49-F238E27FC236}">
-                <a16:creationId xmlns:a16="http://schemas.microsoft.com/office/drawing/2014/main" id="{F445EDBE-D1D9-6FB9-E734-18864E128273}"/>
+                <a16:creationId xmlns="" xmlns:a16="http://schemas.microsoft.com/office/drawing/2014/main" id="{F445EDBE-D1D9-6FB9-E734-18864E128273}"/>
               </a:ext>
             </a:extLst>
           </p:cNvPr>
@@ -2671,7 +2676,7 @@
           <a:p>
             <a:fld id="{4438A91C-C41F-46F7-9DB4-300758BE6D15}" type="datetimeFigureOut">
               <a:rPr lang="ru-RU" smtClean="0"/>
-              <a:t>26.01.2025</a:t>
+              <a:t>28.01.2025</a:t>
             </a:fld>
             <a:endParaRPr lang="ru-RU"/>
           </a:p>
@@ -2682,7 +2687,7 @@
           <p:cNvPr id="6" name="Нижний колонтитул 5">
             <a:extLst>
               <a:ext uri="{FF2B5EF4-FFF2-40B4-BE49-F238E27FC236}">
-                <a16:creationId xmlns:a16="http://schemas.microsoft.com/office/drawing/2014/main" id="{68B61EB4-FD65-2FFD-D411-C678494DF03E}"/>
+                <a16:creationId xmlns="" xmlns:a16="http://schemas.microsoft.com/office/drawing/2014/main" id="{68B61EB4-FD65-2FFD-D411-C678494DF03E}"/>
               </a:ext>
             </a:extLst>
           </p:cNvPr>
@@ -2707,7 +2712,7 @@
           <p:cNvPr id="7" name="Номер слайда 6">
             <a:extLst>
               <a:ext uri="{FF2B5EF4-FFF2-40B4-BE49-F238E27FC236}">
-                <a16:creationId xmlns:a16="http://schemas.microsoft.com/office/drawing/2014/main" id="{B16BB708-CFA7-19AF-110B-350C6233AFA0}"/>
+                <a16:creationId xmlns="" xmlns:a16="http://schemas.microsoft.com/office/drawing/2014/main" id="{B16BB708-CFA7-19AF-110B-350C6233AFA0}"/>
               </a:ext>
             </a:extLst>
           </p:cNvPr>
@@ -2780,7 +2785,7 @@
           <p:cNvPr id="2" name="Заголовок 1">
             <a:extLst>
               <a:ext uri="{FF2B5EF4-FFF2-40B4-BE49-F238E27FC236}">
-                <a16:creationId xmlns:a16="http://schemas.microsoft.com/office/drawing/2014/main" id="{1B1BF84D-CB48-A3D1-38F1-9F1B61457FB3}"/>
+                <a16:creationId xmlns="" xmlns:a16="http://schemas.microsoft.com/office/drawing/2014/main" id="{1B1BF84D-CB48-A3D1-38F1-9F1B61457FB3}"/>
               </a:ext>
             </a:extLst>
           </p:cNvPr>
@@ -2818,7 +2823,7 @@
           <p:cNvPr id="3" name="Текст 2">
             <a:extLst>
               <a:ext uri="{FF2B5EF4-FFF2-40B4-BE49-F238E27FC236}">
-                <a16:creationId xmlns:a16="http://schemas.microsoft.com/office/drawing/2014/main" id="{0AF959A6-0EEC-B1C9-BDA4-7DCE3FD7B021}"/>
+                <a16:creationId xmlns="" xmlns:a16="http://schemas.microsoft.com/office/drawing/2014/main" id="{0AF959A6-0EEC-B1C9-BDA4-7DCE3FD7B021}"/>
               </a:ext>
             </a:extLst>
           </p:cNvPr>
@@ -2885,7 +2890,7 @@
           <p:cNvPr id="4" name="Дата 3">
             <a:extLst>
               <a:ext uri="{FF2B5EF4-FFF2-40B4-BE49-F238E27FC236}">
-                <a16:creationId xmlns:a16="http://schemas.microsoft.com/office/drawing/2014/main" id="{32C8A10F-AA6B-9CC9-CC3B-370E47FE3BEC}"/>
+                <a16:creationId xmlns="" xmlns:a16="http://schemas.microsoft.com/office/drawing/2014/main" id="{32C8A10F-AA6B-9CC9-CC3B-370E47FE3BEC}"/>
               </a:ext>
             </a:extLst>
           </p:cNvPr>
@@ -2921,7 +2926,7 @@
           <a:p>
             <a:fld id="{4438A91C-C41F-46F7-9DB4-300758BE6D15}" type="datetimeFigureOut">
               <a:rPr lang="ru-RU" smtClean="0"/>
-              <a:t>26.01.2025</a:t>
+              <a:t>28.01.2025</a:t>
             </a:fld>
             <a:endParaRPr lang="ru-RU"/>
           </a:p>
@@ -2932,7 +2937,7 @@
           <p:cNvPr id="5" name="Нижний колонтитул 4">
             <a:extLst>
               <a:ext uri="{FF2B5EF4-FFF2-40B4-BE49-F238E27FC236}">
-                <a16:creationId xmlns:a16="http://schemas.microsoft.com/office/drawing/2014/main" id="{888548CD-03BE-69FA-FFA0-ACB2054939B8}"/>
+                <a16:creationId xmlns="" xmlns:a16="http://schemas.microsoft.com/office/drawing/2014/main" id="{888548CD-03BE-69FA-FFA0-ACB2054939B8}"/>
               </a:ext>
             </a:extLst>
           </p:cNvPr>
@@ -2975,7 +2980,7 @@
           <p:cNvPr id="6" name="Номер слайда 5">
             <a:extLst>
               <a:ext uri="{FF2B5EF4-FFF2-40B4-BE49-F238E27FC236}">
-                <a16:creationId xmlns:a16="http://schemas.microsoft.com/office/drawing/2014/main" id="{4EFE48AB-D92C-1CA8-AB46-7FF36C108DFB}"/>
+                <a16:creationId xmlns="" xmlns:a16="http://schemas.microsoft.com/office/drawing/2014/main" id="{4EFE48AB-D92C-1CA8-AB46-7FF36C108DFB}"/>
               </a:ext>
             </a:extLst>
           </p:cNvPr>
@@ -3343,7 +3348,7 @@
           <p:cNvPr id="2" name="Заголовок 1">
             <a:extLst>
               <a:ext uri="{FF2B5EF4-FFF2-40B4-BE49-F238E27FC236}">
-                <a16:creationId xmlns:a16="http://schemas.microsoft.com/office/drawing/2014/main" id="{73FF96BA-F10F-AD84-0C1E-C64C17A9FB5B}"/>
+                <a16:creationId xmlns="" xmlns:a16="http://schemas.microsoft.com/office/drawing/2014/main" id="{73FF96BA-F10F-AD84-0C1E-C64C17A9FB5B}"/>
               </a:ext>
             </a:extLst>
           </p:cNvPr>
@@ -3385,6 +3390,10 @@
               <a:rPr lang="en-US" sz="9600" dirty="0"/>
               <a:t>”</a:t>
             </a:r>
+            <a:r>
+              <a:rPr lang="ru-RU" dirty="0"/>
+              <a:t/>
+            </a:r>
             <a:br>
               <a:rPr lang="ru-RU" dirty="0"/>
             </a:br>
@@ -3405,7 +3414,7 @@
           <p:cNvPr id="3" name="Подзаголовок 2">
             <a:extLst>
               <a:ext uri="{FF2B5EF4-FFF2-40B4-BE49-F238E27FC236}">
-                <a16:creationId xmlns:a16="http://schemas.microsoft.com/office/drawing/2014/main" id="{6A95D7E2-5603-1372-8AE4-9F39536BFB0B}"/>
+                <a16:creationId xmlns="" xmlns:a16="http://schemas.microsoft.com/office/drawing/2014/main" id="{6A95D7E2-5603-1372-8AE4-9F39536BFB0B}"/>
               </a:ext>
             </a:extLst>
           </p:cNvPr>
@@ -3477,6 +3486,13 @@
   <p:clrMapOvr>
     <a:masterClrMapping/>
   </p:clrMapOvr>
+  <p:timing>
+    <p:tnLst>
+      <p:par>
+        <p:cTn id="1" dur="indefinite" restart="never" nodeType="tmRoot"/>
+      </p:par>
+    </p:tnLst>
+  </p:timing>
 </p:sld>
 </file>
 
@@ -3502,7 +3518,7 @@
           <p:cNvPr id="2" name="Заголовок 1">
             <a:extLst>
               <a:ext uri="{FF2B5EF4-FFF2-40B4-BE49-F238E27FC236}">
-                <a16:creationId xmlns:a16="http://schemas.microsoft.com/office/drawing/2014/main" id="{C5140C89-B70B-F0D4-A359-0E1D2F9679F6}"/>
+                <a16:creationId xmlns="" xmlns:a16="http://schemas.microsoft.com/office/drawing/2014/main" id="{C5140C89-B70B-F0D4-A359-0E1D2F9679F6}"/>
               </a:ext>
             </a:extLst>
           </p:cNvPr>
@@ -3555,7 +3571,7 @@
           <p:cNvPr id="4" name="Текст 3">
             <a:extLst>
               <a:ext uri="{FF2B5EF4-FFF2-40B4-BE49-F238E27FC236}">
-                <a16:creationId xmlns:a16="http://schemas.microsoft.com/office/drawing/2014/main" id="{5F41DC94-4E9F-0E4E-BD74-3C3F190AD97A}"/>
+                <a16:creationId xmlns="" xmlns:a16="http://schemas.microsoft.com/office/drawing/2014/main" id="{5F41DC94-4E9F-0E4E-BD74-3C3F190AD97A}"/>
               </a:ext>
             </a:extLst>
           </p:cNvPr>
@@ -3611,7 +3627,7 @@
                 <a:hlinkClick r:id="rId2" tooltip="Английский язык">
                   <a:extLst>
                     <a:ext uri="{A12FA001-AC4F-418D-AE19-62706E023703}">
-                      <ahyp:hlinkClr xmlns:ahyp="http://schemas.microsoft.com/office/drawing/2018/hyperlinkcolor" val="tx"/>
+                      <ahyp:hlinkClr xmlns="" xmlns:ahyp="http://schemas.microsoft.com/office/drawing/2018/hyperlinkcolor" val="tx"/>
                     </a:ext>
                   </a:extLst>
                 </a:hlinkClick>
@@ -3653,7 +3669,7 @@
                 <a:hlinkClick r:id="rId3" tooltip="Головоломка (жанр компьютерных игр)">
                   <a:extLst>
                     <a:ext uri="{A12FA001-AC4F-418D-AE19-62706E023703}">
-                      <ahyp:hlinkClr xmlns:ahyp="http://schemas.microsoft.com/office/drawing/2018/hyperlinkcolor" val="tx"/>
+                      <ahyp:hlinkClr xmlns="" xmlns:ahyp="http://schemas.microsoft.com/office/drawing/2018/hyperlinkcolor" val="tx"/>
                     </a:ext>
                   </a:extLst>
                 </a:hlinkClick>
@@ -3676,7 +3692,7 @@
           <p:cNvPr id="8" name="Рисунок 7" descr="Изображение выглядит как текст, снимок экрана, прямоугольный, доска&#10;&#10;Автоматически созданное описание">
             <a:extLst>
               <a:ext uri="{FF2B5EF4-FFF2-40B4-BE49-F238E27FC236}">
-                <a16:creationId xmlns:a16="http://schemas.microsoft.com/office/drawing/2014/main" id="{B7E8DB5D-D4F0-5CE1-05B5-861DE89BE03A}"/>
+                <a16:creationId xmlns="" xmlns:a16="http://schemas.microsoft.com/office/drawing/2014/main" id="{B7E8DB5D-D4F0-5CE1-05B5-861DE89BE03A}"/>
               </a:ext>
             </a:extLst>
           </p:cNvPr>
@@ -3712,7 +3728,7 @@
           <p:cNvPr id="10" name="Рисунок 9">
             <a:extLst>
               <a:ext uri="{FF2B5EF4-FFF2-40B4-BE49-F238E27FC236}">
-                <a16:creationId xmlns:a16="http://schemas.microsoft.com/office/drawing/2014/main" id="{3E89B459-DCD9-8333-5F43-15F0E608C6B7}"/>
+                <a16:creationId xmlns="" xmlns:a16="http://schemas.microsoft.com/office/drawing/2014/main" id="{3E89B459-DCD9-8333-5F43-15F0E608C6B7}"/>
               </a:ext>
             </a:extLst>
           </p:cNvPr>
@@ -3742,6 +3758,13 @@
   <p:clrMapOvr>
     <a:masterClrMapping/>
   </p:clrMapOvr>
+  <p:timing>
+    <p:tnLst>
+      <p:par>
+        <p:cTn id="1" dur="indefinite" restart="never" nodeType="tmRoot"/>
+      </p:par>
+    </p:tnLst>
+  </p:timing>
 </p:sld>
 </file>
 
@@ -3767,7 +3790,7 @@
           <p:cNvPr id="2" name="Заголовок 1">
             <a:extLst>
               <a:ext uri="{FF2B5EF4-FFF2-40B4-BE49-F238E27FC236}">
-                <a16:creationId xmlns:a16="http://schemas.microsoft.com/office/drawing/2014/main" id="{49A72183-1D53-E988-58F8-3AB497C36289}"/>
+                <a16:creationId xmlns="" xmlns:a16="http://schemas.microsoft.com/office/drawing/2014/main" id="{49A72183-1D53-E988-58F8-3AB497C36289}"/>
               </a:ext>
             </a:extLst>
           </p:cNvPr>
@@ -3812,7 +3835,7 @@
           <p:cNvPr id="3" name="Текст 2">
             <a:extLst>
               <a:ext uri="{FF2B5EF4-FFF2-40B4-BE49-F238E27FC236}">
-                <a16:creationId xmlns:a16="http://schemas.microsoft.com/office/drawing/2014/main" id="{A806724D-99E6-9B70-4998-A997342B2FB2}"/>
+                <a16:creationId xmlns="" xmlns:a16="http://schemas.microsoft.com/office/drawing/2014/main" id="{A806724D-99E6-9B70-4998-A997342B2FB2}"/>
               </a:ext>
             </a:extLst>
           </p:cNvPr>
@@ -3848,7 +3871,77 @@
                 <a:effectLst/>
                 <a:latin typeface="Arial" panose="020B0604020202020204" pitchFamily="34" charset="0"/>
               </a:rPr>
-              <a:t>В начале игры отображается игровое поле с закрытыми клетками. Табло показывает общее количество непомеченных мин и время игры. Когда игрок делает первый клик по одной из клеток, открывается несколько пустых клеток и клеток с числами. Число на клетке обозначает количество мин вокруг неё, то есть в области 3×3 с центром в этой клетке. Используя подсказки, игрок определяет точное местонахождение мин, помечая их флажком и открывая клетки без мин. Пометив все мины вокруг числовой клетки, игрок может разом открыть все оставшиеся клетки вокруг неё, нажав на это число. Для победы необходимо открыть все клетки без мин. В случае, если игрок открывает клетку с миной, игра заканчивается поражением.</a:t>
+              <a:t>В начале игры отображается игровое поле с закрытыми клетками. Табло показывает общее количество непомеченных </a:t>
+            </a:r>
+            <a:r>
+              <a:rPr lang="ru-RU" b="0" i="0" dirty="0" smtClean="0">
+                <a:solidFill>
+                  <a:srgbClr val="202122"/>
+                </a:solidFill>
+                <a:effectLst/>
+                <a:latin typeface="Arial" panose="020B0604020202020204" pitchFamily="34" charset="0"/>
+              </a:rPr>
+              <a:t>мин. </a:t>
+            </a:r>
+            <a:r>
+              <a:rPr lang="ru-RU" b="0" i="0" dirty="0">
+                <a:solidFill>
+                  <a:srgbClr val="202122"/>
+                </a:solidFill>
+                <a:effectLst/>
+                <a:latin typeface="Arial" panose="020B0604020202020204" pitchFamily="34" charset="0"/>
+              </a:rPr>
+              <a:t>Когда игрок делает первый клик по одной из клеток, открывается несколько пустых клеток и клеток с числами. Число на клетке обозначает количество мин вокруг неё, то есть в области 3×3 с центром в этой </a:t>
+            </a:r>
+            <a:r>
+              <a:rPr lang="ru-RU" b="0" i="0" dirty="0" smtClean="0">
+                <a:solidFill>
+                  <a:srgbClr val="202122"/>
+                </a:solidFill>
+                <a:effectLst/>
+                <a:latin typeface="Arial" panose="020B0604020202020204" pitchFamily="34" charset="0"/>
+              </a:rPr>
+              <a:t>клетке. Задача игрока </a:t>
+            </a:r>
+            <a:r>
+              <a:rPr lang="ru-RU" b="0" i="0" smtClean="0">
+                <a:solidFill>
+                  <a:srgbClr val="202122"/>
+                </a:solidFill>
+                <a:effectLst/>
+                <a:latin typeface="Arial" panose="020B0604020202020204" pitchFamily="34" charset="0"/>
+              </a:rPr>
+              <a:t>- определить </a:t>
+            </a:r>
+            <a:r>
+              <a:rPr lang="ru-RU" b="0" i="0" dirty="0">
+                <a:solidFill>
+                  <a:srgbClr val="202122"/>
+                </a:solidFill>
+                <a:effectLst/>
+                <a:latin typeface="Arial" panose="020B0604020202020204" pitchFamily="34" charset="0"/>
+              </a:rPr>
+              <a:t>точное местонахождение мин, помечая их флажком и открывая клетки без мин. </a:t>
+            </a:r>
+            <a:r>
+              <a:rPr lang="ru-RU" b="0" i="0" dirty="0" smtClean="0">
+                <a:solidFill>
+                  <a:srgbClr val="202122"/>
+                </a:solidFill>
+                <a:effectLst/>
+                <a:latin typeface="Arial" panose="020B0604020202020204" pitchFamily="34" charset="0"/>
+              </a:rPr>
+              <a:t>Для </a:t>
+            </a:r>
+            <a:r>
+              <a:rPr lang="ru-RU" b="0" i="0" dirty="0">
+                <a:solidFill>
+                  <a:srgbClr val="202122"/>
+                </a:solidFill>
+                <a:effectLst/>
+                <a:latin typeface="Arial" panose="020B0604020202020204" pitchFamily="34" charset="0"/>
+              </a:rPr>
+              <a:t>победы необходимо открыть все клетки без мин. В случае, если игрок открывает клетку с миной, игра заканчивается поражением.</a:t>
             </a:r>
             <a:endParaRPr lang="ru-RU" dirty="0"/>
           </a:p>
@@ -3864,6 +3957,13 @@
   <p:clrMapOvr>
     <a:masterClrMapping/>
   </p:clrMapOvr>
+  <p:timing>
+    <p:tnLst>
+      <p:par>
+        <p:cTn id="1" dur="indefinite" restart="never" nodeType="tmRoot"/>
+      </p:par>
+    </p:tnLst>
+  </p:timing>
 </p:sld>
 </file>
 
@@ -3889,7 +3989,7 @@
           <p:cNvPr id="2" name="Заголовок 1">
             <a:extLst>
               <a:ext uri="{FF2B5EF4-FFF2-40B4-BE49-F238E27FC236}">
-                <a16:creationId xmlns:a16="http://schemas.microsoft.com/office/drawing/2014/main" id="{A7A1E796-8C02-620E-3BBD-3BAFAD0DE59D}"/>
+                <a16:creationId xmlns="" xmlns:a16="http://schemas.microsoft.com/office/drawing/2014/main" id="{A7A1E796-8C02-620E-3BBD-3BAFAD0DE59D}"/>
               </a:ext>
             </a:extLst>
           </p:cNvPr>
@@ -3908,7 +4008,7 @@
         </p:spPr>
         <p:txBody>
           <a:bodyPr>
-            <a:normAutofit/>
+            <a:normAutofit fontScale="90000"/>
           </a:bodyPr>
           <a:lstStyle/>
           <a:p>
@@ -3924,7 +4024,7 @@
           <p:cNvPr id="3" name="Текст 2">
             <a:extLst>
               <a:ext uri="{FF2B5EF4-FFF2-40B4-BE49-F238E27FC236}">
-                <a16:creationId xmlns:a16="http://schemas.microsoft.com/office/drawing/2014/main" id="{02F60E3C-6484-C3FE-D855-874C93C49B53}"/>
+                <a16:creationId xmlns="" xmlns:a16="http://schemas.microsoft.com/office/drawing/2014/main" id="{02F60E3C-6484-C3FE-D855-874C93C49B53}"/>
               </a:ext>
             </a:extLst>
           </p:cNvPr>
@@ -3977,12 +4077,28 @@
               <a:t>и </a:t>
             </a:r>
             <a:r>
-              <a:rPr lang="en-US" sz="3600" dirty="0">
+              <a:rPr lang="en-US" sz="3600" dirty="0" smtClean="0">
                 <a:solidFill>
                   <a:schemeClr val="tx1"/>
                 </a:solidFill>
               </a:rPr>
-              <a:t>Minesweeper </a:t>
+              <a:t>Minesweeper</a:t>
+            </a:r>
+            <a:r>
+              <a:rPr lang="ru-RU" sz="3600" dirty="0" smtClean="0">
+                <a:solidFill>
+                  <a:schemeClr val="tx1"/>
+                </a:solidFill>
+              </a:rPr>
+              <a:t>,</a:t>
+            </a:r>
+            <a:r>
+              <a:rPr lang="en-US" sz="3600" dirty="0" smtClean="0">
+                <a:solidFill>
+                  <a:schemeClr val="tx1"/>
+                </a:solidFill>
+              </a:rPr>
+              <a:t> </a:t>
             </a:r>
             <a:r>
               <a:rPr lang="ru-RU" sz="3600" dirty="0">
@@ -4000,7 +4116,7 @@
           <p:cNvPr id="5" name="Рисунок 4" descr="Изображение выглядит как текст, снимок экрана, программное обеспечение, дисплей&#10;&#10;Автоматически созданное описание">
             <a:extLst>
               <a:ext uri="{FF2B5EF4-FFF2-40B4-BE49-F238E27FC236}">
-                <a16:creationId xmlns:a16="http://schemas.microsoft.com/office/drawing/2014/main" id="{3624E9B1-22F1-DB8E-9A1D-D4E42C47BC57}"/>
+                <a16:creationId xmlns="" xmlns:a16="http://schemas.microsoft.com/office/drawing/2014/main" id="{3624E9B1-22F1-DB8E-9A1D-D4E42C47BC57}"/>
               </a:ext>
             </a:extLst>
           </p:cNvPr>
@@ -4036,7 +4152,7 @@
           <p:cNvPr id="9" name="Рисунок 8" descr="Изображение выглядит как текст, снимок экрана, Шрифт, дисплей&#10;&#10;Автоматически созданное описание">
             <a:extLst>
               <a:ext uri="{FF2B5EF4-FFF2-40B4-BE49-F238E27FC236}">
-                <a16:creationId xmlns:a16="http://schemas.microsoft.com/office/drawing/2014/main" id="{8DF240E3-94CB-89D7-72F5-E599C0ED9A65}"/>
+                <a16:creationId xmlns="" xmlns:a16="http://schemas.microsoft.com/office/drawing/2014/main" id="{8DF240E3-94CB-89D7-72F5-E599C0ED9A65}"/>
               </a:ext>
             </a:extLst>
           </p:cNvPr>
@@ -4077,6 +4193,13 @@
   <p:clrMapOvr>
     <a:masterClrMapping/>
   </p:clrMapOvr>
+  <p:timing>
+    <p:tnLst>
+      <p:par>
+        <p:cTn id="1" dur="indefinite" restart="never" nodeType="tmRoot"/>
+      </p:par>
+    </p:tnLst>
+  </p:timing>
 </p:sld>
 </file>
 
@@ -4102,7 +4225,7 @@
           <p:cNvPr id="2" name="Заголовок 1">
             <a:extLst>
               <a:ext uri="{FF2B5EF4-FFF2-40B4-BE49-F238E27FC236}">
-                <a16:creationId xmlns:a16="http://schemas.microsoft.com/office/drawing/2014/main" id="{DACD82B3-6D08-AC7A-E232-B060D4C12E42}"/>
+                <a16:creationId xmlns="" xmlns:a16="http://schemas.microsoft.com/office/drawing/2014/main" id="{DACD82B3-6D08-AC7A-E232-B060D4C12E42}"/>
               </a:ext>
             </a:extLst>
           </p:cNvPr>
@@ -4132,7 +4255,7 @@
           <p:cNvPr id="3" name="Текст 2">
             <a:extLst>
               <a:ext uri="{FF2B5EF4-FFF2-40B4-BE49-F238E27FC236}">
-                <a16:creationId xmlns:a16="http://schemas.microsoft.com/office/drawing/2014/main" id="{C141BBB8-6D57-B322-DA14-9E039242D5F6}"/>
+                <a16:creationId xmlns="" xmlns:a16="http://schemas.microsoft.com/office/drawing/2014/main" id="{C141BBB8-6D57-B322-DA14-9E039242D5F6}"/>
               </a:ext>
             </a:extLst>
           </p:cNvPr>
@@ -4156,7 +4279,7 @@
         </p:spPr>
         <p:txBody>
           <a:bodyPr>
-            <a:normAutofit lnSpcReduction="10000"/>
+            <a:normAutofit fontScale="92500" lnSpcReduction="20000"/>
           </a:bodyPr>
           <a:lstStyle/>
           <a:p>
@@ -4182,15 +4305,15 @@
                   <a:schemeClr val="tx1"/>
                 </a:solidFill>
               </a:rPr>
-              <a:t>мы Реализовали Окно </a:t>
-            </a:r>
-            <a:r>
-              <a:rPr lang="en-US" sz="4000" dirty="0">
+              <a:t>мы </a:t>
+            </a:r>
+            <a:r>
+              <a:rPr lang="ru-RU" sz="4000" dirty="0" smtClean="0">
                 <a:solidFill>
                   <a:schemeClr val="tx1"/>
                 </a:solidFill>
               </a:rPr>
-              <a:t>‘</a:t>
+              <a:t>реализовали окно ввода </a:t>
             </a:r>
             <a:r>
               <a:rPr lang="ru-RU" sz="4000" dirty="0">
@@ -4198,15 +4321,15 @@
                   <a:schemeClr val="tx1"/>
                 </a:solidFill>
               </a:rPr>
-              <a:t>выбора имени Игрока и кол-во мин</a:t>
-            </a:r>
-            <a:r>
-              <a:rPr lang="en-US" sz="4000" dirty="0">
+              <a:t>имени </a:t>
+            </a:r>
+            <a:r>
+              <a:rPr lang="ru-RU" sz="4000" dirty="0" smtClean="0">
                 <a:solidFill>
                   <a:schemeClr val="tx1"/>
                 </a:solidFill>
               </a:rPr>
-              <a:t>’</a:t>
+              <a:t>игрока </a:t>
             </a:r>
             <a:r>
               <a:rPr lang="ru-RU" sz="4000" dirty="0">
@@ -4214,7 +4337,23 @@
                   <a:schemeClr val="tx1"/>
                 </a:solidFill>
               </a:rPr>
-              <a:t>, При помощи </a:t>
+              <a:t>и </a:t>
+            </a:r>
+            <a:r>
+              <a:rPr lang="ru-RU" sz="4000" dirty="0" smtClean="0">
+                <a:solidFill>
+                  <a:schemeClr val="tx1"/>
+                </a:solidFill>
+              </a:rPr>
+              <a:t>кол-ва мин. </a:t>
+            </a:r>
+            <a:r>
+              <a:rPr lang="ru-RU" sz="4000" dirty="0">
+                <a:solidFill>
+                  <a:schemeClr val="tx1"/>
+                </a:solidFill>
+              </a:rPr>
+              <a:t>При помощи </a:t>
             </a:r>
             <a:r>
               <a:rPr lang="en-US" sz="4000" dirty="0">
@@ -4249,13 +4388,18 @@
               <a:t> </a:t>
             </a:r>
             <a:r>
-              <a:rPr lang="ru-RU" sz="4000" dirty="0">
+              <a:rPr lang="ru-RU" sz="4000" dirty="0" smtClean="0">
                 <a:solidFill>
                   <a:schemeClr val="tx1"/>
                 </a:solidFill>
               </a:rPr>
-              <a:t>оставшийся интерфейс</a:t>
-            </a:r>
+              <a:t>основной интерфейс.</a:t>
+            </a:r>
+            <a:endParaRPr lang="ru-RU" sz="4000" dirty="0">
+              <a:solidFill>
+                <a:schemeClr val="tx1"/>
+              </a:solidFill>
+            </a:endParaRPr>
           </a:p>
         </p:txBody>
       </p:sp>
@@ -4264,7 +4408,7 @@
           <p:cNvPr id="5" name="Рисунок 4" descr="Изображение выглядит как текст, снимок экрана, программное обеспечение, Мультимедийное программное обеспечение&#10;&#10;Автоматически созданное описание">
             <a:extLst>
               <a:ext uri="{FF2B5EF4-FFF2-40B4-BE49-F238E27FC236}">
-                <a16:creationId xmlns:a16="http://schemas.microsoft.com/office/drawing/2014/main" id="{B8C7A783-044A-D4F0-461C-91560CBAA230}"/>
+                <a16:creationId xmlns="" xmlns:a16="http://schemas.microsoft.com/office/drawing/2014/main" id="{B8C7A783-044A-D4F0-461C-91560CBAA230}"/>
               </a:ext>
             </a:extLst>
           </p:cNvPr>
@@ -4305,6 +4449,13 @@
   <p:clrMapOvr>
     <a:masterClrMapping/>
   </p:clrMapOvr>
+  <p:timing>
+    <p:tnLst>
+      <p:par>
+        <p:cTn id="1" dur="indefinite" restart="never" nodeType="tmRoot"/>
+      </p:par>
+    </p:tnLst>
+  </p:timing>
 </p:sld>
 </file>
 
@@ -4330,7 +4481,7 @@
           <p:cNvPr id="2" name="Заголовок 1">
             <a:extLst>
               <a:ext uri="{FF2B5EF4-FFF2-40B4-BE49-F238E27FC236}">
-                <a16:creationId xmlns:a16="http://schemas.microsoft.com/office/drawing/2014/main" id="{60D495C3-AC4D-703B-96F0-D47DC42177F5}"/>
+                <a16:creationId xmlns="" xmlns:a16="http://schemas.microsoft.com/office/drawing/2014/main" id="{60D495C3-AC4D-703B-96F0-D47DC42177F5}"/>
               </a:ext>
             </a:extLst>
           </p:cNvPr>
@@ -4365,7 +4516,7 @@
           <p:cNvPr id="3" name="Текст 2">
             <a:extLst>
               <a:ext uri="{FF2B5EF4-FFF2-40B4-BE49-F238E27FC236}">
-                <a16:creationId xmlns:a16="http://schemas.microsoft.com/office/drawing/2014/main" id="{B49F5C62-9468-8DDB-69CB-1DC998947866}"/>
+                <a16:creationId xmlns="" xmlns:a16="http://schemas.microsoft.com/office/drawing/2014/main" id="{B49F5C62-9468-8DDB-69CB-1DC998947866}"/>
               </a:ext>
             </a:extLst>
           </p:cNvPr>
@@ -4404,7 +4555,7 @@
           <p:cNvPr id="5" name="Рисунок 4" descr="Изображение выглядит как текст, снимок экрана, графический дизайн, Шрифт&#10;&#10;Автоматически созданное описание">
             <a:extLst>
               <a:ext uri="{FF2B5EF4-FFF2-40B4-BE49-F238E27FC236}">
-                <a16:creationId xmlns:a16="http://schemas.microsoft.com/office/drawing/2014/main" id="{2BEDE115-9814-80E8-7DD9-3F855F2AA851}"/>
+                <a16:creationId xmlns="" xmlns:a16="http://schemas.microsoft.com/office/drawing/2014/main" id="{2BEDE115-9814-80E8-7DD9-3F855F2AA851}"/>
               </a:ext>
             </a:extLst>
           </p:cNvPr>
@@ -4427,7 +4578,7 @@
         </p:blipFill>
         <p:spPr>
           <a:xfrm>
-            <a:off x="8492757" y="223672"/>
+            <a:off x="8471329" y="1732876"/>
             <a:ext cx="3565893" cy="3964964"/>
           </a:xfrm>
           <a:prstGeom prst="rect">
@@ -4437,10 +4588,10 @@
       </p:pic>
       <p:pic>
         <p:nvPicPr>
-          <p:cNvPr id="7" name="Рисунок 6" descr="Изображение выглядит как текст, снимок экрана, апельсин&#10;&#10;Автоматически созданное описание">
-            <a:extLst>
-              <a:ext uri="{FF2B5EF4-FFF2-40B4-BE49-F238E27FC236}">
-                <a16:creationId xmlns:a16="http://schemas.microsoft.com/office/drawing/2014/main" id="{A625EEF7-9312-17E5-091A-0A7D60C014A0}"/>
+          <p:cNvPr id="9" name="Рисунок 8" descr="Изображение выглядит как снимок экрана, прямоугольный&#10;&#10;Автоматически созданное описание">
+            <a:extLst>
+              <a:ext uri="{FF2B5EF4-FFF2-40B4-BE49-F238E27FC236}">
+                <a16:creationId xmlns="" xmlns:a16="http://schemas.microsoft.com/office/drawing/2014/main" id="{D8EB006D-E475-EB94-5D4D-9B2789CBEE3C}"/>
               </a:ext>
             </a:extLst>
           </p:cNvPr>
@@ -4451,42 +4602,6 @@
         </p:nvPicPr>
         <p:blipFill>
           <a:blip r:embed="rId3">
-            <a:extLst>
-              <a:ext uri="{28A0092B-C50C-407E-A947-70E740481C1C}">
-                <a14:useLocalDpi xmlns:a14="http://schemas.microsoft.com/office/drawing/2010/main" val="0"/>
-              </a:ext>
-            </a:extLst>
-          </a:blip>
-          <a:stretch>
-            <a:fillRect/>
-          </a:stretch>
-        </p:blipFill>
-        <p:spPr>
-          <a:xfrm>
-            <a:off x="38120" y="134772"/>
-            <a:ext cx="3175409" cy="3865728"/>
-          </a:xfrm>
-          <a:prstGeom prst="rect">
-            <a:avLst/>
-          </a:prstGeom>
-        </p:spPr>
-      </p:pic>
-      <p:pic>
-        <p:nvPicPr>
-          <p:cNvPr id="9" name="Рисунок 8" descr="Изображение выглядит как снимок экрана, прямоугольный&#10;&#10;Автоматически созданное описание">
-            <a:extLst>
-              <a:ext uri="{FF2B5EF4-FFF2-40B4-BE49-F238E27FC236}">
-                <a16:creationId xmlns:a16="http://schemas.microsoft.com/office/drawing/2014/main" id="{D8EB006D-E475-EB94-5D4D-9B2789CBEE3C}"/>
-              </a:ext>
-            </a:extLst>
-          </p:cNvPr>
-          <p:cNvPicPr>
-            <a:picLocks noChangeAspect="1"/>
-          </p:cNvPicPr>
-          <p:nvPr/>
-        </p:nvPicPr>
-        <p:blipFill>
-          <a:blip r:embed="rId4">
             <a:extLst>
               <a:ext uri="{28A0092B-C50C-407E-A947-70E740481C1C}">
                 <a14:useLocalDpi xmlns:a14="http://schemas.microsoft.com/office/drawing/2010/main" val="0"/>
@@ -4501,6 +4616,36 @@
           <a:xfrm>
             <a:off x="3560402" y="2206154"/>
             <a:ext cx="4650598" cy="4590237"/>
+          </a:xfrm>
+          <a:prstGeom prst="rect">
+            <a:avLst/>
+          </a:prstGeom>
+        </p:spPr>
+      </p:pic>
+      <p:pic>
+        <p:nvPicPr>
+          <p:cNvPr id="4" name="Рисунок 3"/>
+          <p:cNvPicPr>
+            <a:picLocks noChangeAspect="1"/>
+          </p:cNvPicPr>
+          <p:nvPr/>
+        </p:nvPicPr>
+        <p:blipFill>
+          <a:blip r:embed="rId4">
+            <a:extLst>
+              <a:ext uri="{28A0092B-C50C-407E-A947-70E740481C1C}">
+                <a14:useLocalDpi xmlns:a14="http://schemas.microsoft.com/office/drawing/2010/main" val="0"/>
+              </a:ext>
+            </a:extLst>
+          </a:blip>
+          <a:stretch>
+            <a:fillRect/>
+          </a:stretch>
+        </p:blipFill>
+        <p:spPr>
+          <a:xfrm>
+            <a:off x="111434" y="294889"/>
+            <a:ext cx="2971236" cy="3134111"/>
           </a:xfrm>
           <a:prstGeom prst="rect">
             <a:avLst/>
@@ -4517,6 +4662,13 @@
   <p:clrMapOvr>
     <a:masterClrMapping/>
   </p:clrMapOvr>
+  <p:timing>
+    <p:tnLst>
+      <p:par>
+        <p:cTn id="1" dur="indefinite" restart="never" nodeType="tmRoot"/>
+      </p:par>
+    </p:tnLst>
+  </p:timing>
 </p:sld>
 </file>
 
@@ -4542,7 +4694,7 @@
           <p:cNvPr id="2" name="Заголовок 1">
             <a:extLst>
               <a:ext uri="{FF2B5EF4-FFF2-40B4-BE49-F238E27FC236}">
-                <a16:creationId xmlns:a16="http://schemas.microsoft.com/office/drawing/2014/main" id="{39847A84-275C-8A81-F0F4-578F38A254B6}"/>
+                <a16:creationId xmlns="" xmlns:a16="http://schemas.microsoft.com/office/drawing/2014/main" id="{39847A84-275C-8A81-F0F4-578F38A254B6}"/>
               </a:ext>
             </a:extLst>
           </p:cNvPr>
@@ -4555,7 +4707,7 @@
         </p:nvSpPr>
         <p:spPr>
           <a:xfrm>
-            <a:off x="0" y="37306"/>
+            <a:off x="1251751" y="134960"/>
             <a:ext cx="10515600" cy="1462087"/>
           </a:xfrm>
         </p:spPr>
@@ -4577,7 +4729,7 @@
           <p:cNvPr id="3" name="Текст 2">
             <a:extLst>
               <a:ext uri="{FF2B5EF4-FFF2-40B4-BE49-F238E27FC236}">
-                <a16:creationId xmlns:a16="http://schemas.microsoft.com/office/drawing/2014/main" id="{2705ADAF-4D72-F65B-2356-F17F184D2F88}"/>
+                <a16:creationId xmlns="" xmlns:a16="http://schemas.microsoft.com/office/drawing/2014/main" id="{2705ADAF-4D72-F65B-2356-F17F184D2F88}"/>
               </a:ext>
             </a:extLst>
           </p:cNvPr>
@@ -4593,40 +4745,37 @@
           <a:bodyPr/>
           <a:lstStyle/>
           <a:p>
-            <a:endParaRPr lang="ru-RU"/>
+            <a:endParaRPr lang="ru-RU" dirty="0"/>
           </a:p>
         </p:txBody>
       </p:sp>
       <p:pic>
         <p:nvPicPr>
-          <p:cNvPr id="9" name="Рисунок 8" descr="Изображение выглядит как снимок экрана, прямоугольный, Прямоугольник, дизайн&#10;&#10;Автоматически созданное описание">
-            <a:extLst>
-              <a:ext uri="{FF2B5EF4-FFF2-40B4-BE49-F238E27FC236}">
-                <a16:creationId xmlns:a16="http://schemas.microsoft.com/office/drawing/2014/main" id="{C3D6A600-2269-955F-410C-DE3E7A134414}"/>
-              </a:ext>
-            </a:extLst>
+          <p:cNvPr id="5" name="minesweeper">
+            <a:hlinkClick r:id="" action="ppaction://media"/>
           </p:cNvPr>
           <p:cNvPicPr>
             <a:picLocks noChangeAspect="1"/>
           </p:cNvPicPr>
-          <p:nvPr/>
+          <p:nvPr>
+            <a:videoFile r:link="rId2"/>
+            <p:extLst>
+              <p:ext uri="{DAA4B4D4-6D71-4841-9C94-3DE7FCFB9230}">
+                <p14:media xmlns:p14="http://schemas.microsoft.com/office/powerpoint/2010/main" r:embed="rId1"/>
+              </p:ext>
+            </p:extLst>
+          </p:nvPr>
         </p:nvPicPr>
         <p:blipFill>
-          <a:blip r:embed="rId2">
-            <a:extLst>
-              <a:ext uri="{28A0092B-C50C-407E-A947-70E740481C1C}">
-                <a14:useLocalDpi xmlns:a14="http://schemas.microsoft.com/office/drawing/2010/main" val="0"/>
-              </a:ext>
-            </a:extLst>
-          </a:blip>
+          <a:blip r:embed="rId4"/>
           <a:stretch>
             <a:fillRect/>
           </a:stretch>
         </p:blipFill>
         <p:spPr>
           <a:xfrm>
-            <a:off x="3394074" y="1499393"/>
-            <a:ext cx="5711825" cy="5067300"/>
+            <a:off x="3769128" y="1717398"/>
+            <a:ext cx="4513292" cy="4372252"/>
           </a:xfrm>
           <a:prstGeom prst="rect">
             <a:avLst/>
@@ -4643,6 +4792,86 @@
   <p:clrMapOvr>
     <a:masterClrMapping/>
   </p:clrMapOvr>
+  <p:timing>
+    <p:tnLst>
+      <p:par>
+        <p:cTn id="1" dur="indefinite" restart="never" nodeType="tmRoot">
+          <p:childTnLst>
+            <p:seq concurrent="1" nextAc="seek">
+              <p:cTn id="2" restart="whenNotActive" fill="hold" evtFilter="cancelBubble" nodeType="interactiveSeq">
+                <p:stCondLst>
+                  <p:cond evt="onClick" delay="0">
+                    <p:tgtEl>
+                      <p:spTgt spid="5"/>
+                    </p:tgtEl>
+                  </p:cond>
+                </p:stCondLst>
+                <p:endSync evt="end" delay="0">
+                  <p:rtn val="all"/>
+                </p:endSync>
+                <p:childTnLst>
+                  <p:par>
+                    <p:cTn id="3" fill="hold">
+                      <p:stCondLst>
+                        <p:cond delay="0"/>
+                      </p:stCondLst>
+                      <p:childTnLst>
+                        <p:par>
+                          <p:cTn id="4" fill="hold">
+                            <p:stCondLst>
+                              <p:cond delay="0"/>
+                            </p:stCondLst>
+                            <p:childTnLst>
+                              <p:par>
+                                <p:cTn id="5" presetID="2" presetClass="mediacall" presetSubtype="0" fill="hold" nodeType="clickEffect">
+                                  <p:stCondLst>
+                                    <p:cond delay="0"/>
+                                  </p:stCondLst>
+                                  <p:childTnLst>
+                                    <p:cmd type="call" cmd="togglePause">
+                                      <p:cBhvr>
+                                        <p:cTn id="6" dur="1" fill="hold"/>
+                                        <p:tgtEl>
+                                          <p:spTgt spid="5"/>
+                                        </p:tgtEl>
+                                      </p:cBhvr>
+                                    </p:cmd>
+                                  </p:childTnLst>
+                                </p:cTn>
+                              </p:par>
+                            </p:childTnLst>
+                          </p:cTn>
+                        </p:par>
+                      </p:childTnLst>
+                    </p:cTn>
+                  </p:par>
+                </p:childTnLst>
+              </p:cTn>
+              <p:nextCondLst>
+                <p:cond evt="onClick" delay="0">
+                  <p:tgtEl>
+                    <p:spTgt spid="5"/>
+                  </p:tgtEl>
+                </p:cond>
+              </p:nextCondLst>
+            </p:seq>
+            <p:video>
+              <p:cMediaNode vol="80000">
+                <p:cTn id="7" fill="hold" display="0">
+                  <p:stCondLst>
+                    <p:cond delay="indefinite"/>
+                  </p:stCondLst>
+                </p:cTn>
+                <p:tgtEl>
+                  <p:spTgt spid="5"/>
+                </p:tgtEl>
+              </p:cMediaNode>
+            </p:video>
+          </p:childTnLst>
+        </p:cTn>
+      </p:par>
+    </p:tnLst>
+  </p:timing>
 </p:sld>
 </file>
 
@@ -4668,7 +4897,7 @@
           <p:cNvPr id="2" name="Заголовок 1">
             <a:extLst>
               <a:ext uri="{FF2B5EF4-FFF2-40B4-BE49-F238E27FC236}">
-                <a16:creationId xmlns:a16="http://schemas.microsoft.com/office/drawing/2014/main" id="{A2F0D519-BFC1-61FB-C3F4-4F39534E61AA}"/>
+                <a16:creationId xmlns="" xmlns:a16="http://schemas.microsoft.com/office/drawing/2014/main" id="{A2F0D519-BFC1-61FB-C3F4-4F39534E61AA}"/>
               </a:ext>
             </a:extLst>
           </p:cNvPr>
@@ -4687,14 +4916,19 @@
         </p:spPr>
         <p:txBody>
           <a:bodyPr>
-            <a:normAutofit/>
+            <a:normAutofit fontScale="90000"/>
           </a:bodyPr>
           <a:lstStyle/>
           <a:p>
             <a:r>
               <a:rPr lang="ru-RU" sz="8000" b="1" dirty="0"/>
-              <a:t>Возможность Доработки</a:t>
-            </a:r>
+              <a:t>Возможность </a:t>
+            </a:r>
+            <a:r>
+              <a:rPr lang="ru-RU" sz="8000" b="1" dirty="0" smtClean="0"/>
+              <a:t>доработки</a:t>
+            </a:r>
+            <a:endParaRPr lang="ru-RU" sz="8000" b="1" dirty="0"/>
           </a:p>
         </p:txBody>
       </p:sp>
@@ -4703,7 +4937,7 @@
           <p:cNvPr id="3" name="Текст 2">
             <a:extLst>
               <a:ext uri="{FF2B5EF4-FFF2-40B4-BE49-F238E27FC236}">
-                <a16:creationId xmlns:a16="http://schemas.microsoft.com/office/drawing/2014/main" id="{3A645F45-0EA4-C7C0-5A76-5BF61E4F24BE}"/>
+                <a16:creationId xmlns="" xmlns:a16="http://schemas.microsoft.com/office/drawing/2014/main" id="{3A645F45-0EA4-C7C0-5A76-5BF61E4F24BE}"/>
               </a:ext>
             </a:extLst>
           </p:cNvPr>
@@ -4726,7 +4960,9 @@
           </a:solidFill>
         </p:spPr>
         <p:txBody>
-          <a:bodyPr/>
+          <a:bodyPr>
+            <a:normAutofit lnSpcReduction="10000"/>
+          </a:bodyPr>
           <a:lstStyle/>
           <a:p>
             <a:r>
@@ -4745,7 +4981,7 @@
           <p:cNvPr id="5" name="Рисунок 4">
             <a:extLst>
               <a:ext uri="{FF2B5EF4-FFF2-40B4-BE49-F238E27FC236}">
-                <a16:creationId xmlns:a16="http://schemas.microsoft.com/office/drawing/2014/main" id="{B721D11F-7C1A-4CDC-399C-0B50C62B63EF}"/>
+                <a16:creationId xmlns="" xmlns:a16="http://schemas.microsoft.com/office/drawing/2014/main" id="{B721D11F-7C1A-4CDC-399C-0B50C62B63EF}"/>
               </a:ext>
             </a:extLst>
           </p:cNvPr>
@@ -4775,7 +5011,7 @@
           <p:cNvPr id="7" name="Рисунок 6">
             <a:extLst>
               <a:ext uri="{FF2B5EF4-FFF2-40B4-BE49-F238E27FC236}">
-                <a16:creationId xmlns:a16="http://schemas.microsoft.com/office/drawing/2014/main" id="{7F4CAD6B-2005-CA5E-D74F-4A5D5A6B3E2E}"/>
+                <a16:creationId xmlns="" xmlns:a16="http://schemas.microsoft.com/office/drawing/2014/main" id="{7F4CAD6B-2005-CA5E-D74F-4A5D5A6B3E2E}"/>
               </a:ext>
             </a:extLst>
           </p:cNvPr>
@@ -4810,6 +5046,13 @@
   <p:clrMapOvr>
     <a:masterClrMapping/>
   </p:clrMapOvr>
+  <p:timing>
+    <p:tnLst>
+      <p:par>
+        <p:cTn id="1" dur="indefinite" restart="never" nodeType="tmRoot"/>
+      </p:par>
+    </p:tnLst>
+  </p:timing>
 </p:sld>
 </file>
 
@@ -4835,7 +5078,7 @@
           <p:cNvPr id="2" name="Заголовок 1">
             <a:extLst>
               <a:ext uri="{FF2B5EF4-FFF2-40B4-BE49-F238E27FC236}">
-                <a16:creationId xmlns:a16="http://schemas.microsoft.com/office/drawing/2014/main" id="{B57FA54A-D6C3-569F-155A-CA2FFEE71D43}"/>
+                <a16:creationId xmlns="" xmlns:a16="http://schemas.microsoft.com/office/drawing/2014/main" id="{B57FA54A-D6C3-569F-155A-CA2FFEE71D43}"/>
               </a:ext>
             </a:extLst>
           </p:cNvPr>
@@ -4875,7 +5118,7 @@
           <p:cNvPr id="3" name="Текст 2">
             <a:extLst>
               <a:ext uri="{FF2B5EF4-FFF2-40B4-BE49-F238E27FC236}">
-                <a16:creationId xmlns:a16="http://schemas.microsoft.com/office/drawing/2014/main" id="{AEE27EE1-25C4-5DEC-280F-CE3177D7E372}"/>
+                <a16:creationId xmlns="" xmlns:a16="http://schemas.microsoft.com/office/drawing/2014/main" id="{AEE27EE1-25C4-5DEC-280F-CE3177D7E372}"/>
               </a:ext>
             </a:extLst>
           </p:cNvPr>
@@ -4925,7 +5168,7 @@
                 <a:hlinkClick r:id="rId2">
                   <a:extLst>
                     <a:ext uri="{A12FA001-AC4F-418D-AE19-62706E023703}">
-                      <ahyp:hlinkClr xmlns:ahyp="http://schemas.microsoft.com/office/drawing/2018/hyperlinkcolor" val="tx"/>
+                      <ahyp:hlinkClr xmlns="" xmlns:ahyp="http://schemas.microsoft.com/office/drawing/2018/hyperlinkcolor" val="tx"/>
                     </a:ext>
                   </a:extLst>
                 </a:hlinkClick>
@@ -5005,6 +5248,13 @@
   <p:clrMapOvr>
     <a:masterClrMapping/>
   </p:clrMapOvr>
+  <p:timing>
+    <p:tnLst>
+      <p:par>
+        <p:cTn id="1" dur="indefinite" restart="never" nodeType="tmRoot"/>
+      </p:par>
+    </p:tnLst>
+  </p:timing>
 </p:sld>
 </file>
 
